--- a/Código_Club_eventoInaugural-Presentación_PPT.pptx
+++ b/Código_Club_eventoInaugural-Presentación_PPT.pptx
@@ -34,15 +34,18 @@
     <p:sldId id="274" r:id="rId28"/>
     <p:sldId id="284" r:id="rId29"/>
     <p:sldId id="285" r:id="rId30"/>
-    <p:sldId id="286" r:id="rId31"/>
-    <p:sldId id="287" r:id="rId32"/>
+    <p:sldId id="287" r:id="rId31"/>
+    <p:sldId id="295" r:id="rId32"/>
     <p:sldId id="290" r:id="rId33"/>
     <p:sldId id="288" r:id="rId34"/>
     <p:sldId id="289" r:id="rId35"/>
     <p:sldId id="291" r:id="rId36"/>
-    <p:sldId id="292" r:id="rId37"/>
-    <p:sldId id="293" r:id="rId38"/>
-    <p:sldId id="294" r:id="rId39"/>
+    <p:sldId id="297" r:id="rId37"/>
+    <p:sldId id="292" r:id="rId38"/>
+    <p:sldId id="296" r:id="rId39"/>
+    <p:sldId id="293" r:id="rId40"/>
+    <p:sldId id="298" r:id="rId41"/>
+    <p:sldId id="294" r:id="rId42"/>
   </p:sldIdLst>
   <p:sldSz cx="12192000" cy="6858000"/>
   <p:notesSz cx="6858000" cy="9144000"/>
@@ -1178,7 +1181,7 @@
           <a:p>
             <a:fld id="{A3024C00-A7F1-4EB1-ACE5-82981740F7B5}" type="datetimeFigureOut">
               <a:rPr lang="es-CR" smtClean="0"/>
-              <a:t>21/11/2024</a:t>
+              <a:t>1/12/2024</a:t>
             </a:fld>
             <a:endParaRPr lang="es-CR" dirty="0"/>
           </a:p>
@@ -1378,7 +1381,7 @@
           <a:p>
             <a:fld id="{A3024C00-A7F1-4EB1-ACE5-82981740F7B5}" type="datetimeFigureOut">
               <a:rPr lang="es-CR" smtClean="0"/>
-              <a:t>21/11/2024</a:t>
+              <a:t>1/12/2024</a:t>
             </a:fld>
             <a:endParaRPr lang="es-CR" dirty="0"/>
           </a:p>
@@ -1588,7 +1591,7 @@
           <a:p>
             <a:fld id="{A3024C00-A7F1-4EB1-ACE5-82981740F7B5}" type="datetimeFigureOut">
               <a:rPr lang="es-CR" smtClean="0"/>
-              <a:t>21/11/2024</a:t>
+              <a:t>1/12/2024</a:t>
             </a:fld>
             <a:endParaRPr lang="es-CR" dirty="0"/>
           </a:p>
@@ -1788,7 +1791,7 @@
           <a:p>
             <a:fld id="{A3024C00-A7F1-4EB1-ACE5-82981740F7B5}" type="datetimeFigureOut">
               <a:rPr lang="es-CR" smtClean="0"/>
-              <a:t>21/11/2024</a:t>
+              <a:t>1/12/2024</a:t>
             </a:fld>
             <a:endParaRPr lang="es-CR" dirty="0"/>
           </a:p>
@@ -2064,7 +2067,7 @@
           <a:p>
             <a:fld id="{A3024C00-A7F1-4EB1-ACE5-82981740F7B5}" type="datetimeFigureOut">
               <a:rPr lang="es-CR" smtClean="0"/>
-              <a:t>21/11/2024</a:t>
+              <a:t>1/12/2024</a:t>
             </a:fld>
             <a:endParaRPr lang="es-CR" dirty="0"/>
           </a:p>
@@ -2332,7 +2335,7 @@
           <a:p>
             <a:fld id="{A3024C00-A7F1-4EB1-ACE5-82981740F7B5}" type="datetimeFigureOut">
               <a:rPr lang="es-CR" smtClean="0"/>
-              <a:t>21/11/2024</a:t>
+              <a:t>1/12/2024</a:t>
             </a:fld>
             <a:endParaRPr lang="es-CR" dirty="0"/>
           </a:p>
@@ -2747,7 +2750,7 @@
           <a:p>
             <a:fld id="{A3024C00-A7F1-4EB1-ACE5-82981740F7B5}" type="datetimeFigureOut">
               <a:rPr lang="es-CR" smtClean="0"/>
-              <a:t>21/11/2024</a:t>
+              <a:t>1/12/2024</a:t>
             </a:fld>
             <a:endParaRPr lang="es-CR" dirty="0"/>
           </a:p>
@@ -2889,7 +2892,7 @@
           <a:p>
             <a:fld id="{A3024C00-A7F1-4EB1-ACE5-82981740F7B5}" type="datetimeFigureOut">
               <a:rPr lang="es-CR" smtClean="0"/>
-              <a:t>21/11/2024</a:t>
+              <a:t>1/12/2024</a:t>
             </a:fld>
             <a:endParaRPr lang="es-CR" dirty="0"/>
           </a:p>
@@ -3002,7 +3005,7 @@
           <a:p>
             <a:fld id="{A3024C00-A7F1-4EB1-ACE5-82981740F7B5}" type="datetimeFigureOut">
               <a:rPr lang="es-CR" smtClean="0"/>
-              <a:t>21/11/2024</a:t>
+              <a:t>1/12/2024</a:t>
             </a:fld>
             <a:endParaRPr lang="es-CR" dirty="0"/>
           </a:p>
@@ -3315,7 +3318,7 @@
           <a:p>
             <a:fld id="{A3024C00-A7F1-4EB1-ACE5-82981740F7B5}" type="datetimeFigureOut">
               <a:rPr lang="es-CR" smtClean="0"/>
-              <a:t>21/11/2024</a:t>
+              <a:t>1/12/2024</a:t>
             </a:fld>
             <a:endParaRPr lang="es-CR" dirty="0"/>
           </a:p>
@@ -3604,7 +3607,7 @@
           <a:p>
             <a:fld id="{A3024C00-A7F1-4EB1-ACE5-82981740F7B5}" type="datetimeFigureOut">
               <a:rPr lang="es-CR" smtClean="0"/>
-              <a:t>21/11/2024</a:t>
+              <a:t>1/12/2024</a:t>
             </a:fld>
             <a:endParaRPr lang="es-CR" dirty="0"/>
           </a:p>
@@ -3847,7 +3850,7 @@
           <a:p>
             <a:fld id="{A3024C00-A7F1-4EB1-ACE5-82981740F7B5}" type="datetimeFigureOut">
               <a:rPr lang="es-CR" smtClean="0"/>
-              <a:t>21/11/2024</a:t>
+              <a:t>1/12/2024</a:t>
             </a:fld>
             <a:endParaRPr lang="es-CR" dirty="0"/>
           </a:p>
@@ -4911,7 +4914,7 @@
         </p:spPr>
         <p:txBody>
           <a:bodyPr vert="horz" lIns="91440" tIns="45720" rIns="91440" bIns="45720" rtlCol="0" anchor="b">
-            <a:normAutofit fontScale="82500" lnSpcReduction="20000"/>
+            <a:normAutofit fontScale="82500" lnSpcReduction="10000"/>
           </a:bodyPr>
           <a:lstStyle>
             <a:lvl1pPr algn="ctr" defTabSz="914400" rtl="0" eaLnBrk="1" latinLnBrk="0" hangingPunct="1">
@@ -4947,7 +4950,7 @@
                 <a:ea typeface="Cascadia Mono SemiBold" panose="020B0609020000020004" pitchFamily="49" charset="0"/>
                 <a:cs typeface="Cascadia Mono SemiBold" panose="020B0609020000020004" pitchFamily="49" charset="0"/>
               </a:rPr>
-              <a:t>¿Con cuál de estas empresas CodeCademy hizo alianza para crear un curso?</a:t>
+              <a:t>¿Relacionada con cuál de estas empresas CodeCademy tiene un curso?</a:t>
             </a:r>
           </a:p>
         </p:txBody>
@@ -7122,7 +7125,7 @@
         </p:blipFill>
         <p:spPr>
           <a:xfrm>
-            <a:off x="5456903" y="3429000"/>
+            <a:off x="5525729" y="4059350"/>
             <a:ext cx="5938684" cy="1205824"/>
           </a:xfrm>
           <a:prstGeom prst="rect">
@@ -7913,7 +7916,7 @@
                 <a:ea typeface="Cascadia Mono SemiBold" panose="020B0609020000020004" pitchFamily="49" charset="0"/>
                 <a:cs typeface="Cascadia Mono SemiBold" panose="020B0609020000020004" pitchFamily="49" charset="0"/>
               </a:rPr>
-              <a:t>República Democrática del Congo.</a:t>
+              <a:t>Angola.</a:t>
             </a:r>
           </a:p>
           <a:p>
@@ -10039,7 +10042,7 @@
         </p:spPr>
         <p:txBody>
           <a:bodyPr>
-            <a:normAutofit fontScale="90000"/>
+            <a:normAutofit/>
           </a:bodyPr>
           <a:lstStyle/>
           <a:p>
@@ -10057,7 +10060,7 @@
                 <a:ea typeface="Cascadia Mono SemiBold" panose="020B0609020000020004" pitchFamily="49" charset="0"/>
                 <a:cs typeface="Cascadia Mono SemiBold" panose="020B0609020000020004" pitchFamily="49" charset="0"/>
               </a:rPr>
-              <a:t>Introducción a la Revisión de código/Code Review.</a:t>
+              <a:t>Introducción a la Revisión de código.</a:t>
             </a:r>
             <a:endParaRPr lang="es-CR" dirty="0">
               <a:solidFill>
@@ -11088,146 +11091,6 @@
         <p:cNvPr id="1" name="">
           <a:extLst>
             <a:ext uri="{FF2B5EF4-FFF2-40B4-BE49-F238E27FC236}">
-              <a16:creationId xmlns:a16="http://schemas.microsoft.com/office/drawing/2014/main" id="{B92D88A2-C67C-9E99-D24F-6EE44C42716A}"/>
-            </a:ext>
-          </a:extLst>
-        </p:cNvPr>
-        <p:cNvGrpSpPr/>
-        <p:nvPr/>
-      </p:nvGrpSpPr>
-      <p:grpSpPr>
-        <a:xfrm>
-          <a:off x="0" y="0"/>
-          <a:ext cx="0" cy="0"/>
-          <a:chOff x="0" y="0"/>
-          <a:chExt cx="0" cy="0"/>
-        </a:xfrm>
-      </p:grpSpPr>
-      <p:pic>
-        <p:nvPicPr>
-          <p:cNvPr id="5" name="Imagen 4">
-            <a:extLst>
-              <a:ext uri="{FF2B5EF4-FFF2-40B4-BE49-F238E27FC236}">
-                <a16:creationId xmlns:a16="http://schemas.microsoft.com/office/drawing/2014/main" id="{1EE181FE-EDFC-770A-97E6-450B39F67186}"/>
-              </a:ext>
-            </a:extLst>
-          </p:cNvPr>
-          <p:cNvPicPr>
-            <a:picLocks noChangeAspect="1"/>
-          </p:cNvPicPr>
-          <p:nvPr/>
-        </p:nvPicPr>
-        <p:blipFill>
-          <a:blip r:embed="rId2">
-            <a:extLst>
-              <a:ext uri="{28A0092B-C50C-407E-A947-70E740481C1C}">
-                <a14:useLocalDpi xmlns:a14="http://schemas.microsoft.com/office/drawing/2010/main" val="0"/>
-              </a:ext>
-            </a:extLst>
-          </a:blip>
-          <a:stretch>
-            <a:fillRect/>
-          </a:stretch>
-        </p:blipFill>
-        <p:spPr>
-          <a:xfrm>
-            <a:off x="0" y="5265174"/>
-            <a:ext cx="1592826" cy="1592826"/>
-          </a:xfrm>
-          <a:prstGeom prst="rect">
-            <a:avLst/>
-          </a:prstGeom>
-        </p:spPr>
-      </p:pic>
-      <p:sp>
-        <p:nvSpPr>
-          <p:cNvPr id="4" name="CuadroTexto 3">
-            <a:extLst>
-              <a:ext uri="{FF2B5EF4-FFF2-40B4-BE49-F238E27FC236}">
-                <a16:creationId xmlns:a16="http://schemas.microsoft.com/office/drawing/2014/main" id="{49FF673B-1FE1-5A2B-CF39-CFA0E20D6712}"/>
-              </a:ext>
-            </a:extLst>
-          </p:cNvPr>
-          <p:cNvSpPr txBox="1"/>
-          <p:nvPr/>
-        </p:nvSpPr>
-        <p:spPr>
-          <a:xfrm>
-            <a:off x="2207342" y="2151727"/>
-            <a:ext cx="7777316" cy="2554545"/>
-          </a:xfrm>
-          <a:prstGeom prst="rect">
-            <a:avLst/>
-          </a:prstGeom>
-          <a:noFill/>
-        </p:spPr>
-        <p:txBody>
-          <a:bodyPr wrap="square" rtlCol="0">
-            <a:spAutoFit/>
-          </a:bodyPr>
-          <a:lstStyle/>
-          <a:p>
-            <a:pPr algn="ctr"/>
-            <a:r>
-              <a:rPr lang="es-ES" sz="8000" b="1" dirty="0">
-                <a:solidFill>
-                  <a:schemeClr val="bg1"/>
-                </a:solidFill>
-                <a:latin typeface="Cascadia Mono SemiBold" panose="020B0609020000020004" pitchFamily="49" charset="0"/>
-                <a:ea typeface="Cascadia Mono SemiBold" panose="020B0609020000020004" pitchFamily="49" charset="0"/>
-                <a:cs typeface="Cascadia Mono SemiBold" panose="020B0609020000020004" pitchFamily="49" charset="0"/>
-              </a:rPr>
-              <a:t>Demostración </a:t>
-            </a:r>
-          </a:p>
-          <a:p>
-            <a:pPr algn="ctr"/>
-            <a:r>
-              <a:rPr lang="es-ES" sz="8000" b="1" dirty="0">
-                <a:solidFill>
-                  <a:schemeClr val="bg1"/>
-                </a:solidFill>
-                <a:latin typeface="Cascadia Mono SemiBold" panose="020B0609020000020004" pitchFamily="49" charset="0"/>
-                <a:ea typeface="Cascadia Mono SemiBold" panose="020B0609020000020004" pitchFamily="49" charset="0"/>
-                <a:cs typeface="Cascadia Mono SemiBold" panose="020B0609020000020004" pitchFamily="49" charset="0"/>
-              </a:rPr>
-              <a:t>y práctica</a:t>
-            </a:r>
-            <a:endParaRPr lang="es-CR" sz="8000" dirty="0"/>
-          </a:p>
-        </p:txBody>
-      </p:sp>
-    </p:spTree>
-    <p:extLst>
-      <p:ext uri="{BB962C8B-B14F-4D97-AF65-F5344CB8AC3E}">
-        <p14:creationId xmlns:p14="http://schemas.microsoft.com/office/powerpoint/2010/main" val="336578905"/>
-      </p:ext>
-    </p:extLst>
-  </p:cSld>
-  <p:clrMapOvr>
-    <a:masterClrMapping/>
-  </p:clrMapOvr>
-</p:sld>
-</file>
-
-<file path=ppt/slides/slide31.xml><?xml version="1.0" encoding="utf-8"?>
-<p:sld xmlns:a="http://schemas.openxmlformats.org/drawingml/2006/main" xmlns:r="http://schemas.openxmlformats.org/officeDocument/2006/relationships" xmlns:p="http://schemas.openxmlformats.org/presentationml/2006/main">
-  <p:cSld>
-    <p:bg>
-      <p:bgPr>
-        <a:solidFill>
-          <a:schemeClr val="accent1">
-            <a:lumMod val="50000"/>
-          </a:schemeClr>
-        </a:solidFill>
-        <a:effectLst/>
-      </p:bgPr>
-    </p:bg>
-    <p:spTree>
-      <p:nvGrpSpPr>
-        <p:cNvPr id="1" name="">
-          <a:extLst>
-            <a:ext uri="{FF2B5EF4-FFF2-40B4-BE49-F238E27FC236}">
               <a16:creationId xmlns:a16="http://schemas.microsoft.com/office/drawing/2014/main" id="{BCCCE699-86D6-AD4D-96A2-725C0D7B663D}"/>
             </a:ext>
           </a:extLst>
@@ -11283,6 +11146,86 @@
     <p:extLst>
       <p:ext uri="{BB962C8B-B14F-4D97-AF65-F5344CB8AC3E}">
         <p14:creationId xmlns:p14="http://schemas.microsoft.com/office/powerpoint/2010/main" val="2569409455"/>
+      </p:ext>
+    </p:extLst>
+  </p:cSld>
+  <p:clrMapOvr>
+    <a:masterClrMapping/>
+  </p:clrMapOvr>
+</p:sld>
+</file>
+
+<file path=ppt/slides/slide31.xml><?xml version="1.0" encoding="utf-8"?>
+<p:sld xmlns:a="http://schemas.openxmlformats.org/drawingml/2006/main" xmlns:r="http://schemas.openxmlformats.org/officeDocument/2006/relationships" xmlns:p="http://schemas.openxmlformats.org/presentationml/2006/main">
+  <p:cSld>
+    <p:bg>
+      <p:bgPr>
+        <a:solidFill>
+          <a:srgbClr val="E2E2E2"/>
+        </a:solidFill>
+        <a:effectLst/>
+      </p:bgPr>
+    </p:bg>
+    <p:spTree>
+      <p:nvGrpSpPr>
+        <p:cNvPr id="1" name="">
+          <a:extLst>
+            <a:ext uri="{FF2B5EF4-FFF2-40B4-BE49-F238E27FC236}">
+              <a16:creationId xmlns:a16="http://schemas.microsoft.com/office/drawing/2014/main" id="{F25EDCDE-D8CB-8BEF-1468-7547D92718D6}"/>
+            </a:ext>
+          </a:extLst>
+        </p:cNvPr>
+        <p:cNvGrpSpPr/>
+        <p:nvPr/>
+      </p:nvGrpSpPr>
+      <p:grpSpPr>
+        <a:xfrm>
+          <a:off x="0" y="0"/>
+          <a:ext cx="0" cy="0"/>
+          <a:chOff x="0" y="0"/>
+          <a:chExt cx="0" cy="0"/>
+        </a:xfrm>
+      </p:grpSpPr>
+      <p:pic>
+        <p:nvPicPr>
+          <p:cNvPr id="4" name="Imagen 3">
+            <a:extLst>
+              <a:ext uri="{FF2B5EF4-FFF2-40B4-BE49-F238E27FC236}">
+                <a16:creationId xmlns:a16="http://schemas.microsoft.com/office/drawing/2014/main" id="{7E1FD47C-70A9-302A-1F12-C3E62DDF146F}"/>
+              </a:ext>
+            </a:extLst>
+          </p:cNvPr>
+          <p:cNvPicPr>
+            <a:picLocks noChangeAspect="1"/>
+          </p:cNvPicPr>
+          <p:nvPr/>
+        </p:nvPicPr>
+        <p:blipFill>
+          <a:blip r:embed="rId2">
+            <a:extLst>
+              <a:ext uri="{28A0092B-C50C-407E-A947-70E740481C1C}">
+                <a14:useLocalDpi xmlns:a14="http://schemas.microsoft.com/office/drawing/2010/main" val="0"/>
+              </a:ext>
+            </a:extLst>
+          </a:blip>
+          <a:stretch>
+            <a:fillRect/>
+          </a:stretch>
+        </p:blipFill>
+        <p:spPr>
+          <a:xfrm>
+            <a:off x="932729" y="2981262"/>
+            <a:ext cx="10326541" cy="895475"/>
+          </a:xfrm>
+          <a:prstGeom prst="rect">
+            <a:avLst/>
+          </a:prstGeom>
+        </p:spPr>
+      </p:pic>
+    </p:spTree>
+    <p:extLst>
+      <p:ext uri="{BB962C8B-B14F-4D97-AF65-F5344CB8AC3E}">
+        <p14:creationId xmlns:p14="http://schemas.microsoft.com/office/powerpoint/2010/main" val="115727875"/>
       </p:ext>
     </p:extLst>
   </p:cSld>
@@ -11397,7 +11340,7 @@
             <a:r>
               <a:rPr lang="es-ES" sz="1900" b="0" dirty="0">
                 <a:solidFill>
-                  <a:srgbClr val="92D050"/>
+                  <a:schemeClr val="bg1"/>
                 </a:solidFill>
                 <a:effectLst/>
                 <a:latin typeface="Cascadia Mono SemiBold" panose="020B0609020000020004" pitchFamily="49" charset="0"/>
@@ -11416,7 +11359,7 @@
             <a:r>
               <a:rPr lang="es-ES" sz="1900" b="0" dirty="0">
                 <a:solidFill>
-                  <a:srgbClr val="92D050"/>
+                  <a:schemeClr val="bg1"/>
                 </a:solidFill>
                 <a:effectLst/>
                 <a:latin typeface="Cascadia Mono SemiBold" panose="020B0609020000020004" pitchFamily="49" charset="0"/>
@@ -11428,7 +11371,7 @@
             <a:br>
               <a:rPr lang="es-ES" sz="1900" b="0" dirty="0">
                 <a:solidFill>
-                  <a:srgbClr val="92D050"/>
+                  <a:schemeClr val="bg1"/>
                 </a:solidFill>
                 <a:effectLst/>
                 <a:latin typeface="Cascadia Mono SemiBold" panose="020B0609020000020004" pitchFamily="49" charset="0"/>
@@ -11439,7 +11382,7 @@
             <a:r>
               <a:rPr lang="es-ES" sz="1900" b="0" dirty="0">
                 <a:solidFill>
-                  <a:srgbClr val="92D050"/>
+                  <a:schemeClr val="bg1"/>
                 </a:solidFill>
                 <a:effectLst/>
                 <a:latin typeface="Cascadia Mono SemiBold" panose="020B0609020000020004" pitchFamily="49" charset="0"/>
@@ -11458,7 +11401,7 @@
             <a:r>
               <a:rPr lang="es-ES" sz="1900" b="0" dirty="0">
                 <a:solidFill>
-                  <a:srgbClr val="92D050"/>
+                  <a:schemeClr val="bg1"/>
                 </a:solidFill>
                 <a:effectLst/>
                 <a:latin typeface="Cascadia Mono SemiBold" panose="020B0609020000020004" pitchFamily="49" charset="0"/>
@@ -11470,7 +11413,7 @@
             <a:br>
               <a:rPr lang="es-ES" sz="1900" dirty="0">
                 <a:solidFill>
-                  <a:srgbClr val="92D050"/>
+                  <a:schemeClr val="bg1"/>
                 </a:solidFill>
                 <a:latin typeface="Cascadia Mono SemiBold" panose="020B0609020000020004" pitchFamily="49" charset="0"/>
                 <a:ea typeface="Cascadia Mono SemiBold" panose="020B0609020000020004" pitchFamily="49" charset="0"/>
@@ -11480,7 +11423,7 @@
             <a:br>
               <a:rPr lang="es-ES" sz="1900" b="0" dirty="0">
                 <a:solidFill>
-                  <a:srgbClr val="92D050"/>
+                  <a:schemeClr val="bg1"/>
                 </a:solidFill>
                 <a:effectLst/>
                 <a:latin typeface="Cascadia Mono SemiBold" panose="020B0609020000020004" pitchFamily="49" charset="0"/>
@@ -11491,7 +11434,7 @@
             <a:r>
               <a:rPr lang="es-ES" sz="1900" b="0" dirty="0">
                 <a:solidFill>
-                  <a:srgbClr val="92D050"/>
+                  <a:schemeClr val="bg1"/>
                 </a:solidFill>
                 <a:effectLst/>
                 <a:latin typeface="Cascadia Mono SemiBold" panose="020B0609020000020004" pitchFamily="49" charset="0"/>
@@ -11510,7 +11453,7 @@
             <a:r>
               <a:rPr lang="es-ES" sz="1900" dirty="0">
                 <a:solidFill>
-                  <a:srgbClr val="92D050"/>
+                  <a:schemeClr val="bg1"/>
                 </a:solidFill>
                 <a:latin typeface="Cascadia Mono SemiBold" panose="020B0609020000020004" pitchFamily="49" charset="0"/>
                 <a:ea typeface="Cascadia Mono SemiBold" panose="020B0609020000020004" pitchFamily="49" charset="0"/>
@@ -11521,14 +11464,14 @@
             <a:r>
               <a:rPr lang="es-ES" sz="1900" b="0" dirty="0">
                 <a:solidFill>
-                  <a:srgbClr val="92D050"/>
+                  <a:schemeClr val="bg1"/>
                 </a:solidFill>
                 <a:effectLst/>
                 <a:latin typeface="Cascadia Mono SemiBold" panose="020B0609020000020004" pitchFamily="49" charset="0"/>
                 <a:ea typeface="Cascadia Mono SemiBold" panose="020B0609020000020004" pitchFamily="49" charset="0"/>
                 <a:cs typeface="Cascadia Mono SemiBold" panose="020B0609020000020004" pitchFamily="49" charset="0"/>
               </a:rPr>
-              <a:t>- La variable descuentoPrecio es clara, pero podría ser más específica, como precioConDescuentoAplicado (un poco largo) o precioFinal(más conciso).</a:t>
+              <a:t>- La variable descuentoPrecio es clara, pero podría ser más específica, como precioConDescuentoAplicado (un poco largo) o precioFinal (más conciso).</a:t>
             </a:r>
           </a:p>
           <a:p>
@@ -11540,7 +11483,7 @@
             <a:r>
               <a:rPr lang="es-ES" sz="1900" b="0" dirty="0">
                 <a:solidFill>
-                  <a:srgbClr val="92D050"/>
+                  <a:schemeClr val="bg1"/>
                 </a:solidFill>
                 <a:effectLst/>
                 <a:latin typeface="Cascadia Mono SemiBold" panose="020B0609020000020004" pitchFamily="49" charset="0"/>
@@ -11678,7 +11621,7 @@
             <a:r>
               <a:rPr lang="es-ES" sz="1900" b="0" dirty="0">
                 <a:solidFill>
-                  <a:srgbClr val="92D050"/>
+                  <a:schemeClr val="bg1"/>
                 </a:solidFill>
                 <a:effectLst/>
                 <a:latin typeface="Cascadia Mono SemiBold" panose="020B0609020000020004" pitchFamily="49" charset="0"/>
@@ -11697,7 +11640,7 @@
             <a:r>
               <a:rPr lang="es-ES" sz="1900" b="0" dirty="0">
                 <a:solidFill>
-                  <a:srgbClr val="92D050"/>
+                  <a:schemeClr val="bg1"/>
                 </a:solidFill>
                 <a:effectLst/>
                 <a:latin typeface="Cascadia Mono SemiBold" panose="020B0609020000020004" pitchFamily="49" charset="0"/>
@@ -11715,7 +11658,7 @@
             </a:pPr>
             <a:endParaRPr lang="es-ES" sz="1900" dirty="0">
               <a:solidFill>
-                <a:srgbClr val="92D050"/>
+                <a:schemeClr val="bg1"/>
               </a:solidFill>
               <a:latin typeface="Cascadia Mono SemiBold" panose="020B0609020000020004" pitchFamily="49" charset="0"/>
               <a:ea typeface="Cascadia Mono SemiBold" panose="020B0609020000020004" pitchFamily="49" charset="0"/>
@@ -11731,7 +11674,7 @@
             <a:r>
               <a:rPr lang="es-ES" sz="2000" b="0" dirty="0">
                 <a:solidFill>
-                  <a:srgbClr val="92D050"/>
+                  <a:schemeClr val="bg1"/>
                 </a:solidFill>
                 <a:effectLst/>
                 <a:latin typeface="Cascadia Mono SemiBold" panose="020B0609020000020004" pitchFamily="49" charset="0"/>
@@ -11750,7 +11693,7 @@
             <a:r>
               <a:rPr lang="es-ES" sz="2000" dirty="0">
                 <a:solidFill>
-                  <a:srgbClr val="92D050"/>
+                  <a:schemeClr val="bg1"/>
                 </a:solidFill>
                 <a:latin typeface="Cascadia Mono SemiBold" panose="020B0609020000020004" pitchFamily="49" charset="0"/>
                 <a:ea typeface="Cascadia Mono SemiBold" panose="020B0609020000020004" pitchFamily="49" charset="0"/>
@@ -11761,7 +11704,7 @@
             <a:r>
               <a:rPr lang="es-ES" sz="2000" b="0" dirty="0">
                 <a:solidFill>
-                  <a:srgbClr val="92D050"/>
+                  <a:schemeClr val="bg1"/>
                 </a:solidFill>
                 <a:effectLst/>
                 <a:latin typeface="Cascadia Mono SemiBold" panose="020B0609020000020004" pitchFamily="49" charset="0"/>
@@ -11773,7 +11716,7 @@
             <a:r>
               <a:rPr lang="es-ES" sz="2000" b="1" u="sng" dirty="0">
                 <a:solidFill>
-                  <a:srgbClr val="92D050"/>
+                  <a:schemeClr val="bg1"/>
                 </a:solidFill>
                 <a:effectLst/>
                 <a:latin typeface="Cascadia Mono SemiBold" panose="020B0609020000020004" pitchFamily="49" charset="0"/>
@@ -11785,7 +11728,7 @@
             <a:r>
               <a:rPr lang="es-ES" sz="2000" b="0" dirty="0">
                 <a:solidFill>
-                  <a:srgbClr val="92D050"/>
+                  <a:schemeClr val="bg1"/>
                 </a:solidFill>
                 <a:effectLst/>
                 <a:latin typeface="Cascadia Mono SemiBold" panose="020B0609020000020004" pitchFamily="49" charset="0"/>
@@ -11797,7 +11740,7 @@
             <a:br>
               <a:rPr lang="es-ES" sz="2000" b="0" dirty="0">
                 <a:solidFill>
-                  <a:srgbClr val="92D050"/>
+                  <a:schemeClr val="bg1"/>
                 </a:solidFill>
                 <a:effectLst/>
                 <a:latin typeface="Cascadia Mono SemiBold" panose="020B0609020000020004" pitchFamily="49" charset="0"/>
@@ -11808,7 +11751,7 @@
             <a:r>
               <a:rPr lang="es-ES" sz="2000" b="0" dirty="0">
                 <a:solidFill>
-                  <a:srgbClr val="92D050"/>
+                  <a:schemeClr val="bg1"/>
                 </a:solidFill>
                 <a:effectLst/>
                 <a:latin typeface="Cascadia Mono SemiBold" panose="020B0609020000020004" pitchFamily="49" charset="0"/>
@@ -11827,7 +11770,7 @@
             <a:r>
               <a:rPr lang="es-ES" sz="2000" b="0" dirty="0">
                 <a:solidFill>
-                  <a:srgbClr val="92D050"/>
+                  <a:schemeClr val="bg1"/>
                 </a:solidFill>
                 <a:effectLst/>
                 <a:latin typeface="Cascadia Mono SemiBold" panose="020B0609020000020004" pitchFamily="49" charset="0"/>
@@ -11846,7 +11789,7 @@
             <a:r>
               <a:rPr lang="es-ES" sz="2000" b="0" dirty="0">
                 <a:solidFill>
-                  <a:srgbClr val="92D050"/>
+                  <a:schemeClr val="bg1"/>
                 </a:solidFill>
                 <a:effectLst/>
                 <a:latin typeface="Cascadia Mono SemiBold" panose="020B0609020000020004" pitchFamily="49" charset="0"/>
@@ -11990,7 +11933,7 @@
             <a:r>
               <a:rPr lang="es-ES" sz="1900" b="0" dirty="0">
                 <a:solidFill>
-                  <a:srgbClr val="92D050"/>
+                  <a:schemeClr val="bg1"/>
                 </a:solidFill>
                 <a:effectLst/>
                 <a:latin typeface="Cascadia Mono SemiBold" panose="020B0609020000020004" pitchFamily="49" charset="0"/>
@@ -12009,7 +11952,7 @@
             <a:r>
               <a:rPr lang="es-ES" sz="1900" dirty="0">
                 <a:solidFill>
-                  <a:srgbClr val="92D050"/>
+                  <a:schemeClr val="bg1"/>
                 </a:solidFill>
                 <a:latin typeface="Cascadia Mono SemiBold" panose="020B0609020000020004" pitchFamily="49" charset="0"/>
                 <a:ea typeface="Cascadia Mono SemiBold" panose="020B0609020000020004" pitchFamily="49" charset="0"/>
@@ -12020,14 +11963,37 @@
             <a:r>
               <a:rPr lang="es-ES" sz="1900" b="0" dirty="0">
                 <a:solidFill>
-                  <a:srgbClr val="92D050"/>
+                  <a:schemeClr val="bg1"/>
                 </a:solidFill>
                 <a:effectLst/>
                 <a:latin typeface="Cascadia Mono SemiBold" panose="020B0609020000020004" pitchFamily="49" charset="0"/>
                 <a:ea typeface="Cascadia Mono SemiBold" panose="020B0609020000020004" pitchFamily="49" charset="0"/>
                 <a:cs typeface="Cascadia Mono SemiBold" panose="020B0609020000020004" pitchFamily="49" charset="0"/>
               </a:rPr>
-              <a:t>¿Qué sucede si el precio es negativo? ¿Y si no se pasa algún argumento? Agrega pruebas para estos casos.</a:t>
+              <a:t>¿Qué sucede si el precio es negativo? ¿Y si no se pasa algún argumento? Hay que </a:t>
+            </a:r>
+            <a:r>
+              <a:rPr lang="es-ES" sz="1900" dirty="0">
+                <a:solidFill>
+                  <a:schemeClr val="bg1"/>
+                </a:solidFill>
+                <a:latin typeface="Cascadia Mono SemiBold" panose="020B0609020000020004" pitchFamily="49" charset="0"/>
+                <a:ea typeface="Cascadia Mono SemiBold" panose="020B0609020000020004" pitchFamily="49" charset="0"/>
+                <a:cs typeface="Cascadia Mono SemiBold" panose="020B0609020000020004" pitchFamily="49" charset="0"/>
+              </a:rPr>
+              <a:t>a</a:t>
+            </a:r>
+            <a:r>
+              <a:rPr lang="es-ES" sz="1900" b="0" dirty="0">
+                <a:solidFill>
+                  <a:schemeClr val="bg1"/>
+                </a:solidFill>
+                <a:effectLst/>
+                <a:latin typeface="Cascadia Mono SemiBold" panose="020B0609020000020004" pitchFamily="49" charset="0"/>
+                <a:ea typeface="Cascadia Mono SemiBold" panose="020B0609020000020004" pitchFamily="49" charset="0"/>
+                <a:cs typeface="Cascadia Mono SemiBold" panose="020B0609020000020004" pitchFamily="49" charset="0"/>
+              </a:rPr>
+              <a:t>gregar pruebas para estos casos.</a:t>
             </a:r>
           </a:p>
         </p:txBody>
@@ -12236,8 +12202,8 @@
         </p:nvSpPr>
         <p:spPr>
           <a:xfrm>
-            <a:off x="3736258" y="137651"/>
-            <a:ext cx="3421625" cy="369332"/>
+            <a:off x="3657600" y="137650"/>
+            <a:ext cx="4876800" cy="461665"/>
           </a:xfrm>
           <a:prstGeom prst="rect">
             <a:avLst/>
@@ -12251,7 +12217,7 @@
           <a:lstStyle/>
           <a:p>
             <a:r>
-              <a:rPr lang="es-CR" dirty="0">
+              <a:rPr lang="es-CR" sz="2400" dirty="0">
                 <a:solidFill>
                   <a:srgbClr val="92D050"/>
                 </a:solidFill>
@@ -12281,6 +12247,326 @@
 </file>
 
 <file path=ppt/slides/slide36.xml><?xml version="1.0" encoding="utf-8"?>
+<p:sld xmlns:a="http://schemas.openxmlformats.org/drawingml/2006/main" xmlns:r="http://schemas.openxmlformats.org/officeDocument/2006/relationships" xmlns:p="http://schemas.openxmlformats.org/presentationml/2006/main">
+  <p:cSld>
+    <p:bg>
+      <p:bgPr>
+        <a:solidFill>
+          <a:schemeClr val="accent1">
+            <a:lumMod val="50000"/>
+          </a:schemeClr>
+        </a:solidFill>
+        <a:effectLst/>
+      </p:bgPr>
+    </p:bg>
+    <p:spTree>
+      <p:nvGrpSpPr>
+        <p:cNvPr id="1" name="">
+          <a:extLst>
+            <a:ext uri="{FF2B5EF4-FFF2-40B4-BE49-F238E27FC236}">
+              <a16:creationId xmlns:a16="http://schemas.microsoft.com/office/drawing/2014/main" id="{15875B55-6865-91A0-999F-76B95586D7C8}"/>
+            </a:ext>
+          </a:extLst>
+        </p:cNvPr>
+        <p:cNvGrpSpPr/>
+        <p:nvPr/>
+      </p:nvGrpSpPr>
+      <p:grpSpPr>
+        <a:xfrm>
+          <a:off x="0" y="0"/>
+          <a:ext cx="0" cy="0"/>
+          <a:chOff x="0" y="0"/>
+          <a:chExt cx="0" cy="0"/>
+        </a:xfrm>
+      </p:grpSpPr>
+      <p:sp>
+        <p:nvSpPr>
+          <p:cNvPr id="2" name="CuadroTexto 1">
+            <a:extLst>
+              <a:ext uri="{FF2B5EF4-FFF2-40B4-BE49-F238E27FC236}">
+                <a16:creationId xmlns:a16="http://schemas.microsoft.com/office/drawing/2014/main" id="{08EBBCB5-C7BC-1DFE-1404-38B21052E34A}"/>
+              </a:ext>
+            </a:extLst>
+          </p:cNvPr>
+          <p:cNvSpPr txBox="1"/>
+          <p:nvPr/>
+        </p:nvSpPr>
+        <p:spPr>
+          <a:xfrm>
+            <a:off x="3657600" y="137650"/>
+            <a:ext cx="6646606" cy="523220"/>
+          </a:xfrm>
+          <a:prstGeom prst="rect">
+            <a:avLst/>
+          </a:prstGeom>
+          <a:noFill/>
+        </p:spPr>
+        <p:txBody>
+          <a:bodyPr wrap="square" rtlCol="0">
+            <a:spAutoFit/>
+          </a:bodyPr>
+          <a:lstStyle/>
+          <a:p>
+            <a:r>
+              <a:rPr lang="es-CR" sz="2800" dirty="0">
+                <a:solidFill>
+                  <a:schemeClr val="bg1"/>
+                </a:solidFill>
+                <a:latin typeface="Cascadia Mono SemiBold" panose="020B0609020000020004" pitchFamily="49" charset="0"/>
+                <a:ea typeface="Cascadia Mono SemiBold" panose="020B0609020000020004" pitchFamily="49" charset="0"/>
+                <a:cs typeface="Cascadia Mono SemiBold" panose="020B0609020000020004" pitchFamily="49" charset="0"/>
+              </a:rPr>
+              <a:t>¿Qué mejoras sugerirían?</a:t>
+            </a:r>
+          </a:p>
+        </p:txBody>
+      </p:sp>
+      <p:sp>
+        <p:nvSpPr>
+          <p:cNvPr id="4" name="CuadroTexto 3">
+            <a:extLst>
+              <a:ext uri="{FF2B5EF4-FFF2-40B4-BE49-F238E27FC236}">
+                <a16:creationId xmlns:a16="http://schemas.microsoft.com/office/drawing/2014/main" id="{2266DDF2-DF7B-6BFA-11FB-CA5911EF5B2A}"/>
+              </a:ext>
+            </a:extLst>
+          </p:cNvPr>
+          <p:cNvSpPr txBox="1"/>
+          <p:nvPr/>
+        </p:nvSpPr>
+        <p:spPr>
+          <a:xfrm>
+            <a:off x="186814" y="599316"/>
+            <a:ext cx="11798710" cy="4801314"/>
+          </a:xfrm>
+          <a:prstGeom prst="rect">
+            <a:avLst/>
+          </a:prstGeom>
+          <a:noFill/>
+        </p:spPr>
+        <p:txBody>
+          <a:bodyPr wrap="square" rtlCol="0">
+            <a:spAutoFit/>
+          </a:bodyPr>
+          <a:lstStyle/>
+          <a:p>
+            <a:r>
+              <a:rPr lang="es-CR" dirty="0">
+                <a:solidFill>
+                  <a:schemeClr val="bg1"/>
+                </a:solidFill>
+              </a:rPr>
+              <a:t>- -&gt;</a:t>
+            </a:r>
+          </a:p>
+          <a:p>
+            <a:r>
+              <a:rPr lang="es-CR" dirty="0">
+                <a:solidFill>
+                  <a:schemeClr val="bg1"/>
+                </a:solidFill>
+              </a:rPr>
+              <a:t>- -&gt;</a:t>
+            </a:r>
+          </a:p>
+          <a:p>
+            <a:r>
+              <a:rPr lang="es-CR" dirty="0">
+                <a:solidFill>
+                  <a:schemeClr val="bg1"/>
+                </a:solidFill>
+              </a:rPr>
+              <a:t>- -&gt;</a:t>
+            </a:r>
+          </a:p>
+          <a:p>
+            <a:r>
+              <a:rPr lang="es-CR" dirty="0">
+                <a:solidFill>
+                  <a:schemeClr val="bg1"/>
+                </a:solidFill>
+              </a:rPr>
+              <a:t>- -&gt;</a:t>
+            </a:r>
+          </a:p>
+          <a:p>
+            <a:r>
+              <a:rPr lang="es-CR" dirty="0">
+                <a:solidFill>
+                  <a:schemeClr val="bg1"/>
+                </a:solidFill>
+              </a:rPr>
+              <a:t>- -&gt;</a:t>
+            </a:r>
+          </a:p>
+          <a:p>
+            <a:r>
+              <a:rPr lang="es-CR" dirty="0">
+                <a:solidFill>
+                  <a:schemeClr val="bg1"/>
+                </a:solidFill>
+              </a:rPr>
+              <a:t>- -&gt;</a:t>
+            </a:r>
+          </a:p>
+          <a:p>
+            <a:r>
+              <a:rPr lang="es-CR" dirty="0">
+                <a:solidFill>
+                  <a:schemeClr val="bg1"/>
+                </a:solidFill>
+              </a:rPr>
+              <a:t>- -&gt;</a:t>
+            </a:r>
+          </a:p>
+          <a:p>
+            <a:r>
+              <a:rPr lang="es-CR" dirty="0">
+                <a:solidFill>
+                  <a:schemeClr val="bg1"/>
+                </a:solidFill>
+              </a:rPr>
+              <a:t>- -&gt;</a:t>
+            </a:r>
+          </a:p>
+          <a:p>
+            <a:r>
+              <a:rPr lang="es-CR" dirty="0">
+                <a:solidFill>
+                  <a:schemeClr val="bg1"/>
+                </a:solidFill>
+              </a:rPr>
+              <a:t>- -&gt;</a:t>
+            </a:r>
+          </a:p>
+          <a:p>
+            <a:r>
+              <a:rPr lang="es-CR" dirty="0">
+                <a:solidFill>
+                  <a:schemeClr val="bg1"/>
+                </a:solidFill>
+              </a:rPr>
+              <a:t>- -&gt;</a:t>
+            </a:r>
+          </a:p>
+          <a:p>
+            <a:r>
+              <a:rPr lang="es-CR" dirty="0">
+                <a:solidFill>
+                  <a:schemeClr val="bg1"/>
+                </a:solidFill>
+              </a:rPr>
+              <a:t>- -&gt;</a:t>
+            </a:r>
+          </a:p>
+          <a:p>
+            <a:r>
+              <a:rPr lang="es-CR" dirty="0">
+                <a:solidFill>
+                  <a:schemeClr val="bg1"/>
+                </a:solidFill>
+              </a:rPr>
+              <a:t>- -&gt;</a:t>
+            </a:r>
+          </a:p>
+          <a:p>
+            <a:r>
+              <a:rPr lang="es-CR" dirty="0">
+                <a:solidFill>
+                  <a:schemeClr val="bg1"/>
+                </a:solidFill>
+              </a:rPr>
+              <a:t>- -&gt;</a:t>
+            </a:r>
+          </a:p>
+          <a:p>
+            <a:r>
+              <a:rPr lang="es-CR" dirty="0">
+                <a:solidFill>
+                  <a:schemeClr val="bg1"/>
+                </a:solidFill>
+              </a:rPr>
+              <a:t>- -&gt;</a:t>
+            </a:r>
+          </a:p>
+          <a:p>
+            <a:r>
+              <a:rPr lang="es-CR" dirty="0">
+                <a:solidFill>
+                  <a:schemeClr val="bg1"/>
+                </a:solidFill>
+              </a:rPr>
+              <a:t>- -&gt;</a:t>
+            </a:r>
+          </a:p>
+          <a:p>
+            <a:r>
+              <a:rPr lang="es-CR" dirty="0">
+                <a:solidFill>
+                  <a:schemeClr val="bg1"/>
+                </a:solidFill>
+              </a:rPr>
+              <a:t>- -&gt;</a:t>
+            </a:r>
+          </a:p>
+          <a:p>
+            <a:endParaRPr lang="es-CR" dirty="0">
+              <a:solidFill>
+                <a:schemeClr val="bg1"/>
+              </a:solidFill>
+            </a:endParaRPr>
+          </a:p>
+        </p:txBody>
+      </p:sp>
+      <p:pic>
+        <p:nvPicPr>
+          <p:cNvPr id="5" name="Imagen 4">
+            <a:extLst>
+              <a:ext uri="{FF2B5EF4-FFF2-40B4-BE49-F238E27FC236}">
+                <a16:creationId xmlns:a16="http://schemas.microsoft.com/office/drawing/2014/main" id="{368B6E65-B03D-9D00-699A-6BA9BD3721B3}"/>
+              </a:ext>
+            </a:extLst>
+          </p:cNvPr>
+          <p:cNvPicPr>
+            <a:picLocks noChangeAspect="1"/>
+          </p:cNvPicPr>
+          <p:nvPr/>
+        </p:nvPicPr>
+        <p:blipFill>
+          <a:blip r:embed="rId2">
+            <a:extLst>
+              <a:ext uri="{28A0092B-C50C-407E-A947-70E740481C1C}">
+                <a14:useLocalDpi xmlns:a14="http://schemas.microsoft.com/office/drawing/2010/main" val="0"/>
+              </a:ext>
+            </a:extLst>
+          </a:blip>
+          <a:stretch>
+            <a:fillRect/>
+          </a:stretch>
+        </p:blipFill>
+        <p:spPr>
+          <a:xfrm>
+            <a:off x="0" y="5265174"/>
+            <a:ext cx="1592826" cy="1592826"/>
+          </a:xfrm>
+          <a:prstGeom prst="rect">
+            <a:avLst/>
+          </a:prstGeom>
+        </p:spPr>
+      </p:pic>
+    </p:spTree>
+    <p:extLst>
+      <p:ext uri="{BB962C8B-B14F-4D97-AF65-F5344CB8AC3E}">
+        <p14:creationId xmlns:p14="http://schemas.microsoft.com/office/powerpoint/2010/main" val="4143973274"/>
+      </p:ext>
+    </p:extLst>
+  </p:cSld>
+  <p:clrMapOvr>
+    <a:masterClrMapping/>
+  </p:clrMapOvr>
+</p:sld>
+</file>
+
+<file path=ppt/slides/slide37.xml><?xml version="1.0" encoding="utf-8"?>
 <p:sld xmlns:a="http://schemas.openxmlformats.org/drawingml/2006/main" xmlns:r="http://schemas.openxmlformats.org/officeDocument/2006/relationships" xmlns:p="http://schemas.openxmlformats.org/presentationml/2006/main">
   <p:cSld>
     <p:bg>
@@ -12313,10 +12599,10 @@
       </p:grpSpPr>
       <p:pic>
         <p:nvPicPr>
-          <p:cNvPr id="5" name="Imagen 4">
-            <a:extLst>
-              <a:ext uri="{FF2B5EF4-FFF2-40B4-BE49-F238E27FC236}">
-                <a16:creationId xmlns:a16="http://schemas.microsoft.com/office/drawing/2014/main" id="{A1FFCF41-8527-8E78-F540-08E505B17248}"/>
+          <p:cNvPr id="3" name="Imagen 2">
+            <a:extLst>
+              <a:ext uri="{FF2B5EF4-FFF2-40B4-BE49-F238E27FC236}">
+                <a16:creationId xmlns:a16="http://schemas.microsoft.com/office/drawing/2014/main" id="{CE15CAAA-2CEE-2AE0-7DB5-D5161D101050}"/>
               </a:ext>
             </a:extLst>
           </p:cNvPr>
@@ -12339,8 +12625,8 @@
         </p:blipFill>
         <p:spPr>
           <a:xfrm>
-            <a:off x="1907458" y="-442451"/>
-            <a:ext cx="9144000" cy="7708490"/>
+            <a:off x="2762865" y="-412955"/>
+            <a:ext cx="6135329" cy="7649497"/>
           </a:xfrm>
           <a:prstGeom prst="rect">
             <a:avLst/>
@@ -12360,7 +12646,87 @@
 </p:sld>
 </file>
 
-<file path=ppt/slides/slide37.xml><?xml version="1.0" encoding="utf-8"?>
+<file path=ppt/slides/slide38.xml><?xml version="1.0" encoding="utf-8"?>
+<p:sld xmlns:a="http://schemas.openxmlformats.org/drawingml/2006/main" xmlns:r="http://schemas.openxmlformats.org/officeDocument/2006/relationships" xmlns:p="http://schemas.openxmlformats.org/presentationml/2006/main">
+  <p:cSld>
+    <p:bg>
+      <p:bgPr>
+        <a:solidFill>
+          <a:srgbClr val="E8E8E8"/>
+        </a:solidFill>
+        <a:effectLst/>
+      </p:bgPr>
+    </p:bg>
+    <p:spTree>
+      <p:nvGrpSpPr>
+        <p:cNvPr id="1" name="">
+          <a:extLst>
+            <a:ext uri="{FF2B5EF4-FFF2-40B4-BE49-F238E27FC236}">
+              <a16:creationId xmlns:a16="http://schemas.microsoft.com/office/drawing/2014/main" id="{F7ECA782-23F8-4357-A9EC-C8EE31286BCF}"/>
+            </a:ext>
+          </a:extLst>
+        </p:cNvPr>
+        <p:cNvGrpSpPr/>
+        <p:nvPr/>
+      </p:nvGrpSpPr>
+      <p:grpSpPr>
+        <a:xfrm>
+          <a:off x="0" y="0"/>
+          <a:ext cx="0" cy="0"/>
+          <a:chOff x="0" y="0"/>
+          <a:chExt cx="0" cy="0"/>
+        </a:xfrm>
+      </p:grpSpPr>
+      <p:pic>
+        <p:nvPicPr>
+          <p:cNvPr id="3" name="Imagen 2">
+            <a:extLst>
+              <a:ext uri="{FF2B5EF4-FFF2-40B4-BE49-F238E27FC236}">
+                <a16:creationId xmlns:a16="http://schemas.microsoft.com/office/drawing/2014/main" id="{16E12512-033F-D9A8-FD1A-FB8700D68B67}"/>
+              </a:ext>
+            </a:extLst>
+          </p:cNvPr>
+          <p:cNvPicPr>
+            <a:picLocks noChangeAspect="1"/>
+          </p:cNvPicPr>
+          <p:nvPr/>
+        </p:nvPicPr>
+        <p:blipFill>
+          <a:blip r:embed="rId2">
+            <a:extLst>
+              <a:ext uri="{28A0092B-C50C-407E-A947-70E740481C1C}">
+                <a14:useLocalDpi xmlns:a14="http://schemas.microsoft.com/office/drawing/2010/main" val="0"/>
+              </a:ext>
+            </a:extLst>
+          </a:blip>
+          <a:stretch>
+            <a:fillRect/>
+          </a:stretch>
+        </p:blipFill>
+        <p:spPr>
+          <a:xfrm>
+            <a:off x="1056571" y="2986025"/>
+            <a:ext cx="10078857" cy="885949"/>
+          </a:xfrm>
+          <a:prstGeom prst="rect">
+            <a:avLst/>
+          </a:prstGeom>
+        </p:spPr>
+      </p:pic>
+    </p:spTree>
+    <p:extLst>
+      <p:ext uri="{BB962C8B-B14F-4D97-AF65-F5344CB8AC3E}">
+        <p14:creationId xmlns:p14="http://schemas.microsoft.com/office/powerpoint/2010/main" val="539079087"/>
+      </p:ext>
+    </p:extLst>
+  </p:cSld>
+  <p:clrMapOvr>
+    <a:masterClrMapping/>
+  </p:clrMapOvr>
+</p:sld>
+</file>
+
+<file path=ppt/slides/slide39.xml><?xml version="1.0" encoding="utf-8"?>
 <p:sld xmlns:a="http://schemas.openxmlformats.org/drawingml/2006/main" xmlns:r="http://schemas.openxmlformats.org/officeDocument/2006/relationships" xmlns:p="http://schemas.openxmlformats.org/presentationml/2006/main">
   <p:cSld>
     <p:bg>
@@ -12477,86 +12843,6 @@
     <p:extLst>
       <p:ext uri="{BB962C8B-B14F-4D97-AF65-F5344CB8AC3E}">
         <p14:creationId xmlns:p14="http://schemas.microsoft.com/office/powerpoint/2010/main" val="1748053012"/>
-      </p:ext>
-    </p:extLst>
-  </p:cSld>
-  <p:clrMapOvr>
-    <a:masterClrMapping/>
-  </p:clrMapOvr>
-</p:sld>
-</file>
-
-<file path=ppt/slides/slide38.xml><?xml version="1.0" encoding="utf-8"?>
-<p:sld xmlns:a="http://schemas.openxmlformats.org/drawingml/2006/main" xmlns:r="http://schemas.openxmlformats.org/officeDocument/2006/relationships" xmlns:p="http://schemas.openxmlformats.org/presentationml/2006/main">
-  <p:cSld>
-    <p:bg>
-      <p:bgPr>
-        <a:solidFill>
-          <a:srgbClr val="10162F"/>
-        </a:solidFill>
-        <a:effectLst/>
-      </p:bgPr>
-    </p:bg>
-    <p:spTree>
-      <p:nvGrpSpPr>
-        <p:cNvPr id="1" name="">
-          <a:extLst>
-            <a:ext uri="{FF2B5EF4-FFF2-40B4-BE49-F238E27FC236}">
-              <a16:creationId xmlns:a16="http://schemas.microsoft.com/office/drawing/2014/main" id="{82E0503D-0765-195D-ADBF-152D2B9658C9}"/>
-            </a:ext>
-          </a:extLst>
-        </p:cNvPr>
-        <p:cNvGrpSpPr/>
-        <p:nvPr/>
-      </p:nvGrpSpPr>
-      <p:grpSpPr>
-        <a:xfrm>
-          <a:off x="0" y="0"/>
-          <a:ext cx="0" cy="0"/>
-          <a:chOff x="0" y="0"/>
-          <a:chExt cx="0" cy="0"/>
-        </a:xfrm>
-      </p:grpSpPr>
-      <p:pic>
-        <p:nvPicPr>
-          <p:cNvPr id="3" name="Imagen 2">
-            <a:extLst>
-              <a:ext uri="{FF2B5EF4-FFF2-40B4-BE49-F238E27FC236}">
-                <a16:creationId xmlns:a16="http://schemas.microsoft.com/office/drawing/2014/main" id="{F54702DF-D00C-A2DE-A44D-31450653F7DE}"/>
-              </a:ext>
-            </a:extLst>
-          </p:cNvPr>
-          <p:cNvPicPr>
-            <a:picLocks noChangeAspect="1"/>
-          </p:cNvPicPr>
-          <p:nvPr/>
-        </p:nvPicPr>
-        <p:blipFill>
-          <a:blip r:embed="rId2">
-            <a:extLst>
-              <a:ext uri="{28A0092B-C50C-407E-A947-70E740481C1C}">
-                <a14:useLocalDpi xmlns:a14="http://schemas.microsoft.com/office/drawing/2010/main" val="0"/>
-              </a:ext>
-            </a:extLst>
-          </a:blip>
-          <a:stretch>
-            <a:fillRect/>
-          </a:stretch>
-        </p:blipFill>
-        <p:spPr>
-          <a:xfrm>
-            <a:off x="0" y="228600"/>
-            <a:ext cx="12192000" cy="6400800"/>
-          </a:xfrm>
-          <a:prstGeom prst="rect">
-            <a:avLst/>
-          </a:prstGeom>
-        </p:spPr>
-      </p:pic>
-    </p:spTree>
-    <p:extLst>
-      <p:ext uri="{BB962C8B-B14F-4D97-AF65-F5344CB8AC3E}">
-        <p14:creationId xmlns:p14="http://schemas.microsoft.com/office/powerpoint/2010/main" val="795306164"/>
       </p:ext>
     </p:extLst>
   </p:cSld>
@@ -12832,6 +13118,871 @@
     <p:extLst>
       <p:ext uri="{BB962C8B-B14F-4D97-AF65-F5344CB8AC3E}">
         <p14:creationId xmlns:p14="http://schemas.microsoft.com/office/powerpoint/2010/main" val="1074529207"/>
+      </p:ext>
+    </p:extLst>
+  </p:cSld>
+  <p:clrMapOvr>
+    <a:masterClrMapping/>
+  </p:clrMapOvr>
+</p:sld>
+</file>
+
+<file path=ppt/slides/slide40.xml><?xml version="1.0" encoding="utf-8"?>
+<p:sld xmlns:a="http://schemas.openxmlformats.org/drawingml/2006/main" xmlns:r="http://schemas.openxmlformats.org/officeDocument/2006/relationships" xmlns:p="http://schemas.openxmlformats.org/presentationml/2006/main">
+  <p:cSld>
+    <p:bg>
+      <p:bgPr>
+        <a:solidFill>
+          <a:schemeClr val="accent1">
+            <a:lumMod val="50000"/>
+          </a:schemeClr>
+        </a:solidFill>
+        <a:effectLst/>
+      </p:bgPr>
+    </p:bg>
+    <p:spTree>
+      <p:nvGrpSpPr>
+        <p:cNvPr id="1" name="">
+          <a:extLst>
+            <a:ext uri="{FF2B5EF4-FFF2-40B4-BE49-F238E27FC236}">
+              <a16:creationId xmlns:a16="http://schemas.microsoft.com/office/drawing/2014/main" id="{B15593FB-7217-E84B-7D4D-05D53517990D}"/>
+            </a:ext>
+          </a:extLst>
+        </p:cNvPr>
+        <p:cNvGrpSpPr/>
+        <p:nvPr/>
+      </p:nvGrpSpPr>
+      <p:grpSpPr>
+        <a:xfrm>
+          <a:off x="0" y="0"/>
+          <a:ext cx="0" cy="0"/>
+          <a:chOff x="0" y="0"/>
+          <a:chExt cx="0" cy="0"/>
+        </a:xfrm>
+      </p:grpSpPr>
+      <p:sp>
+        <p:nvSpPr>
+          <p:cNvPr id="2" name="CuadroTexto 1">
+            <a:extLst>
+              <a:ext uri="{FF2B5EF4-FFF2-40B4-BE49-F238E27FC236}">
+                <a16:creationId xmlns:a16="http://schemas.microsoft.com/office/drawing/2014/main" id="{94C38DF0-F69D-0C19-0287-F5218502CF37}"/>
+              </a:ext>
+            </a:extLst>
+          </p:cNvPr>
+          <p:cNvSpPr txBox="1"/>
+          <p:nvPr/>
+        </p:nvSpPr>
+        <p:spPr>
+          <a:xfrm>
+            <a:off x="3195484" y="137650"/>
+            <a:ext cx="5801032" cy="523220"/>
+          </a:xfrm>
+          <a:prstGeom prst="rect">
+            <a:avLst/>
+          </a:prstGeom>
+          <a:noFill/>
+        </p:spPr>
+        <p:txBody>
+          <a:bodyPr wrap="square" rtlCol="0">
+            <a:spAutoFit/>
+          </a:bodyPr>
+          <a:lstStyle/>
+          <a:p>
+            <a:pPr marL="0" marR="0" lvl="0" indent="0" algn="l" defTabSz="914400" rtl="0" eaLnBrk="1" fontAlgn="auto" latinLnBrk="0" hangingPunct="1">
+              <a:lnSpc>
+                <a:spcPct val="100000"/>
+              </a:lnSpc>
+              <a:spcBef>
+                <a:spcPts val="0"/>
+              </a:spcBef>
+              <a:spcAft>
+                <a:spcPts val="0"/>
+              </a:spcAft>
+              <a:buClrTx/>
+              <a:buSzTx/>
+              <a:buFontTx/>
+              <a:buNone/>
+              <a:tabLst/>
+              <a:defRPr/>
+            </a:pPr>
+            <a:r>
+              <a:rPr kumimoji="0" lang="es-CR" sz="2800" b="0" i="0" u="none" strike="noStrike" kern="1200" cap="none" spc="0" normalizeH="0" baseline="0" noProof="0" dirty="0">
+                <a:ln>
+                  <a:noFill/>
+                </a:ln>
+                <a:solidFill>
+                  <a:prstClr val="white"/>
+                </a:solidFill>
+                <a:effectLst/>
+                <a:uLnTx/>
+                <a:uFillTx/>
+                <a:latin typeface="Cascadia Mono SemiBold" panose="020B0609020000020004" pitchFamily="49" charset="0"/>
+                <a:ea typeface="Cascadia Mono SemiBold" panose="020B0609020000020004" pitchFamily="49" charset="0"/>
+                <a:cs typeface="Cascadia Mono SemiBold" panose="020B0609020000020004" pitchFamily="49" charset="0"/>
+              </a:rPr>
+              <a:t>Ideas para próximos eventos</a:t>
+            </a:r>
+          </a:p>
+        </p:txBody>
+      </p:sp>
+      <p:sp>
+        <p:nvSpPr>
+          <p:cNvPr id="4" name="CuadroTexto 3">
+            <a:extLst>
+              <a:ext uri="{FF2B5EF4-FFF2-40B4-BE49-F238E27FC236}">
+                <a16:creationId xmlns:a16="http://schemas.microsoft.com/office/drawing/2014/main" id="{F782C914-E7BB-3BB1-3471-7FD6E9F47BEE}"/>
+              </a:ext>
+            </a:extLst>
+          </p:cNvPr>
+          <p:cNvSpPr txBox="1"/>
+          <p:nvPr/>
+        </p:nvSpPr>
+        <p:spPr>
+          <a:xfrm>
+            <a:off x="196645" y="660870"/>
+            <a:ext cx="11798710" cy="4801314"/>
+          </a:xfrm>
+          <a:prstGeom prst="rect">
+            <a:avLst/>
+          </a:prstGeom>
+          <a:noFill/>
+        </p:spPr>
+        <p:txBody>
+          <a:bodyPr wrap="square" rtlCol="0">
+            <a:spAutoFit/>
+          </a:bodyPr>
+          <a:lstStyle/>
+          <a:p>
+            <a:pPr marL="0" marR="0" lvl="0" indent="0" algn="l" defTabSz="914400" rtl="0" eaLnBrk="1" fontAlgn="auto" latinLnBrk="0" hangingPunct="1">
+              <a:lnSpc>
+                <a:spcPct val="100000"/>
+              </a:lnSpc>
+              <a:spcBef>
+                <a:spcPts val="0"/>
+              </a:spcBef>
+              <a:spcAft>
+                <a:spcPts val="0"/>
+              </a:spcAft>
+              <a:buClrTx/>
+              <a:buSzTx/>
+              <a:buFontTx/>
+              <a:buNone/>
+              <a:tabLst/>
+              <a:defRPr/>
+            </a:pPr>
+            <a:r>
+              <a:rPr kumimoji="0" lang="es-CR" sz="1800" b="0" i="0" u="none" strike="noStrike" kern="1200" cap="none" spc="0" normalizeH="0" baseline="0" noProof="0" dirty="0">
+                <a:ln>
+                  <a:noFill/>
+                </a:ln>
+                <a:solidFill>
+                  <a:prstClr val="white"/>
+                </a:solidFill>
+                <a:effectLst/>
+                <a:uLnTx/>
+                <a:uFillTx/>
+                <a:latin typeface="Calibri" panose="020F0502020204030204"/>
+                <a:ea typeface="+mn-ea"/>
+                <a:cs typeface="+mn-cs"/>
+              </a:rPr>
+              <a:t>- -&gt;</a:t>
+            </a:r>
+          </a:p>
+          <a:p>
+            <a:pPr marL="0" marR="0" lvl="0" indent="0" algn="l" defTabSz="914400" rtl="0" eaLnBrk="1" fontAlgn="auto" latinLnBrk="0" hangingPunct="1">
+              <a:lnSpc>
+                <a:spcPct val="100000"/>
+              </a:lnSpc>
+              <a:spcBef>
+                <a:spcPts val="0"/>
+              </a:spcBef>
+              <a:spcAft>
+                <a:spcPts val="0"/>
+              </a:spcAft>
+              <a:buClrTx/>
+              <a:buSzTx/>
+              <a:buFontTx/>
+              <a:buNone/>
+              <a:tabLst/>
+              <a:defRPr/>
+            </a:pPr>
+            <a:r>
+              <a:rPr kumimoji="0" lang="es-CR" sz="1800" b="0" i="0" u="none" strike="noStrike" kern="1200" cap="none" spc="0" normalizeH="0" baseline="0" noProof="0" dirty="0">
+                <a:ln>
+                  <a:noFill/>
+                </a:ln>
+                <a:solidFill>
+                  <a:prstClr val="white"/>
+                </a:solidFill>
+                <a:effectLst/>
+                <a:uLnTx/>
+                <a:uFillTx/>
+                <a:latin typeface="Calibri" panose="020F0502020204030204"/>
+                <a:ea typeface="+mn-ea"/>
+                <a:cs typeface="+mn-cs"/>
+              </a:rPr>
+              <a:t>- -&gt;</a:t>
+            </a:r>
+          </a:p>
+          <a:p>
+            <a:pPr marL="0" marR="0" lvl="0" indent="0" algn="l" defTabSz="914400" rtl="0" eaLnBrk="1" fontAlgn="auto" latinLnBrk="0" hangingPunct="1">
+              <a:lnSpc>
+                <a:spcPct val="100000"/>
+              </a:lnSpc>
+              <a:spcBef>
+                <a:spcPts val="0"/>
+              </a:spcBef>
+              <a:spcAft>
+                <a:spcPts val="0"/>
+              </a:spcAft>
+              <a:buClrTx/>
+              <a:buSzTx/>
+              <a:buFontTx/>
+              <a:buNone/>
+              <a:tabLst/>
+              <a:defRPr/>
+            </a:pPr>
+            <a:r>
+              <a:rPr kumimoji="0" lang="es-CR" sz="1800" b="0" i="0" u="none" strike="noStrike" kern="1200" cap="none" spc="0" normalizeH="0" baseline="0" noProof="0" dirty="0">
+                <a:ln>
+                  <a:noFill/>
+                </a:ln>
+                <a:solidFill>
+                  <a:prstClr val="white"/>
+                </a:solidFill>
+                <a:effectLst/>
+                <a:uLnTx/>
+                <a:uFillTx/>
+                <a:latin typeface="Calibri" panose="020F0502020204030204"/>
+                <a:ea typeface="+mn-ea"/>
+                <a:cs typeface="+mn-cs"/>
+              </a:rPr>
+              <a:t>- -&gt;</a:t>
+            </a:r>
+          </a:p>
+          <a:p>
+            <a:pPr marL="0" marR="0" lvl="0" indent="0" algn="l" defTabSz="914400" rtl="0" eaLnBrk="1" fontAlgn="auto" latinLnBrk="0" hangingPunct="1">
+              <a:lnSpc>
+                <a:spcPct val="100000"/>
+              </a:lnSpc>
+              <a:spcBef>
+                <a:spcPts val="0"/>
+              </a:spcBef>
+              <a:spcAft>
+                <a:spcPts val="0"/>
+              </a:spcAft>
+              <a:buClrTx/>
+              <a:buSzTx/>
+              <a:buFontTx/>
+              <a:buNone/>
+              <a:tabLst/>
+              <a:defRPr/>
+            </a:pPr>
+            <a:r>
+              <a:rPr kumimoji="0" lang="es-CR" sz="1800" b="0" i="0" u="none" strike="noStrike" kern="1200" cap="none" spc="0" normalizeH="0" baseline="0" noProof="0" dirty="0">
+                <a:ln>
+                  <a:noFill/>
+                </a:ln>
+                <a:solidFill>
+                  <a:prstClr val="white"/>
+                </a:solidFill>
+                <a:effectLst/>
+                <a:uLnTx/>
+                <a:uFillTx/>
+                <a:latin typeface="Calibri" panose="020F0502020204030204"/>
+                <a:ea typeface="+mn-ea"/>
+                <a:cs typeface="+mn-cs"/>
+              </a:rPr>
+              <a:t>- -&gt;</a:t>
+            </a:r>
+          </a:p>
+          <a:p>
+            <a:pPr marL="0" marR="0" lvl="0" indent="0" algn="l" defTabSz="914400" rtl="0" eaLnBrk="1" fontAlgn="auto" latinLnBrk="0" hangingPunct="1">
+              <a:lnSpc>
+                <a:spcPct val="100000"/>
+              </a:lnSpc>
+              <a:spcBef>
+                <a:spcPts val="0"/>
+              </a:spcBef>
+              <a:spcAft>
+                <a:spcPts val="0"/>
+              </a:spcAft>
+              <a:buClrTx/>
+              <a:buSzTx/>
+              <a:buFontTx/>
+              <a:buNone/>
+              <a:tabLst/>
+              <a:defRPr/>
+            </a:pPr>
+            <a:r>
+              <a:rPr kumimoji="0" lang="es-CR" sz="1800" b="0" i="0" u="none" strike="noStrike" kern="1200" cap="none" spc="0" normalizeH="0" baseline="0" noProof="0" dirty="0">
+                <a:ln>
+                  <a:noFill/>
+                </a:ln>
+                <a:solidFill>
+                  <a:prstClr val="white"/>
+                </a:solidFill>
+                <a:effectLst/>
+                <a:uLnTx/>
+                <a:uFillTx/>
+                <a:latin typeface="Calibri" panose="020F0502020204030204"/>
+                <a:ea typeface="+mn-ea"/>
+                <a:cs typeface="+mn-cs"/>
+              </a:rPr>
+              <a:t>- -&gt;</a:t>
+            </a:r>
+          </a:p>
+          <a:p>
+            <a:pPr marL="0" marR="0" lvl="0" indent="0" algn="l" defTabSz="914400" rtl="0" eaLnBrk="1" fontAlgn="auto" latinLnBrk="0" hangingPunct="1">
+              <a:lnSpc>
+                <a:spcPct val="100000"/>
+              </a:lnSpc>
+              <a:spcBef>
+                <a:spcPts val="0"/>
+              </a:spcBef>
+              <a:spcAft>
+                <a:spcPts val="0"/>
+              </a:spcAft>
+              <a:buClrTx/>
+              <a:buSzTx/>
+              <a:buFontTx/>
+              <a:buNone/>
+              <a:tabLst/>
+              <a:defRPr/>
+            </a:pPr>
+            <a:r>
+              <a:rPr kumimoji="0" lang="es-CR" sz="1800" b="0" i="0" u="none" strike="noStrike" kern="1200" cap="none" spc="0" normalizeH="0" baseline="0" noProof="0" dirty="0">
+                <a:ln>
+                  <a:noFill/>
+                </a:ln>
+                <a:solidFill>
+                  <a:prstClr val="white"/>
+                </a:solidFill>
+                <a:effectLst/>
+                <a:uLnTx/>
+                <a:uFillTx/>
+                <a:latin typeface="Calibri" panose="020F0502020204030204"/>
+                <a:ea typeface="+mn-ea"/>
+                <a:cs typeface="+mn-cs"/>
+              </a:rPr>
+              <a:t>- -&gt;</a:t>
+            </a:r>
+          </a:p>
+          <a:p>
+            <a:pPr marL="0" marR="0" lvl="0" indent="0" algn="l" defTabSz="914400" rtl="0" eaLnBrk="1" fontAlgn="auto" latinLnBrk="0" hangingPunct="1">
+              <a:lnSpc>
+                <a:spcPct val="100000"/>
+              </a:lnSpc>
+              <a:spcBef>
+                <a:spcPts val="0"/>
+              </a:spcBef>
+              <a:spcAft>
+                <a:spcPts val="0"/>
+              </a:spcAft>
+              <a:buClrTx/>
+              <a:buSzTx/>
+              <a:buFontTx/>
+              <a:buNone/>
+              <a:tabLst/>
+              <a:defRPr/>
+            </a:pPr>
+            <a:r>
+              <a:rPr kumimoji="0" lang="es-CR" sz="1800" b="0" i="0" u="none" strike="noStrike" kern="1200" cap="none" spc="0" normalizeH="0" baseline="0" noProof="0" dirty="0">
+                <a:ln>
+                  <a:noFill/>
+                </a:ln>
+                <a:solidFill>
+                  <a:prstClr val="white"/>
+                </a:solidFill>
+                <a:effectLst/>
+                <a:uLnTx/>
+                <a:uFillTx/>
+                <a:latin typeface="Calibri" panose="020F0502020204030204"/>
+                <a:ea typeface="+mn-ea"/>
+                <a:cs typeface="+mn-cs"/>
+              </a:rPr>
+              <a:t>- -&gt;</a:t>
+            </a:r>
+          </a:p>
+          <a:p>
+            <a:pPr marL="0" marR="0" lvl="0" indent="0" algn="l" defTabSz="914400" rtl="0" eaLnBrk="1" fontAlgn="auto" latinLnBrk="0" hangingPunct="1">
+              <a:lnSpc>
+                <a:spcPct val="100000"/>
+              </a:lnSpc>
+              <a:spcBef>
+                <a:spcPts val="0"/>
+              </a:spcBef>
+              <a:spcAft>
+                <a:spcPts val="0"/>
+              </a:spcAft>
+              <a:buClrTx/>
+              <a:buSzTx/>
+              <a:buFontTx/>
+              <a:buNone/>
+              <a:tabLst/>
+              <a:defRPr/>
+            </a:pPr>
+            <a:r>
+              <a:rPr kumimoji="0" lang="es-CR" sz="1800" b="0" i="0" u="none" strike="noStrike" kern="1200" cap="none" spc="0" normalizeH="0" baseline="0" noProof="0" dirty="0">
+                <a:ln>
+                  <a:noFill/>
+                </a:ln>
+                <a:solidFill>
+                  <a:prstClr val="white"/>
+                </a:solidFill>
+                <a:effectLst/>
+                <a:uLnTx/>
+                <a:uFillTx/>
+                <a:latin typeface="Calibri" panose="020F0502020204030204"/>
+                <a:ea typeface="+mn-ea"/>
+                <a:cs typeface="+mn-cs"/>
+              </a:rPr>
+              <a:t>- -&gt;</a:t>
+            </a:r>
+          </a:p>
+          <a:p>
+            <a:pPr marL="0" marR="0" lvl="0" indent="0" algn="l" defTabSz="914400" rtl="0" eaLnBrk="1" fontAlgn="auto" latinLnBrk="0" hangingPunct="1">
+              <a:lnSpc>
+                <a:spcPct val="100000"/>
+              </a:lnSpc>
+              <a:spcBef>
+                <a:spcPts val="0"/>
+              </a:spcBef>
+              <a:spcAft>
+                <a:spcPts val="0"/>
+              </a:spcAft>
+              <a:buClrTx/>
+              <a:buSzTx/>
+              <a:buFontTx/>
+              <a:buNone/>
+              <a:tabLst/>
+              <a:defRPr/>
+            </a:pPr>
+            <a:r>
+              <a:rPr kumimoji="0" lang="es-CR" sz="1800" b="0" i="0" u="none" strike="noStrike" kern="1200" cap="none" spc="0" normalizeH="0" baseline="0" noProof="0" dirty="0">
+                <a:ln>
+                  <a:noFill/>
+                </a:ln>
+                <a:solidFill>
+                  <a:prstClr val="white"/>
+                </a:solidFill>
+                <a:effectLst/>
+                <a:uLnTx/>
+                <a:uFillTx/>
+                <a:latin typeface="Calibri" panose="020F0502020204030204"/>
+                <a:ea typeface="+mn-ea"/>
+                <a:cs typeface="+mn-cs"/>
+              </a:rPr>
+              <a:t>- -&gt;</a:t>
+            </a:r>
+          </a:p>
+          <a:p>
+            <a:pPr marL="0" marR="0" lvl="0" indent="0" algn="l" defTabSz="914400" rtl="0" eaLnBrk="1" fontAlgn="auto" latinLnBrk="0" hangingPunct="1">
+              <a:lnSpc>
+                <a:spcPct val="100000"/>
+              </a:lnSpc>
+              <a:spcBef>
+                <a:spcPts val="0"/>
+              </a:spcBef>
+              <a:spcAft>
+                <a:spcPts val="0"/>
+              </a:spcAft>
+              <a:buClrTx/>
+              <a:buSzTx/>
+              <a:buFontTx/>
+              <a:buNone/>
+              <a:tabLst/>
+              <a:defRPr/>
+            </a:pPr>
+            <a:r>
+              <a:rPr kumimoji="0" lang="es-CR" sz="1800" b="0" i="0" u="none" strike="noStrike" kern="1200" cap="none" spc="0" normalizeH="0" baseline="0" noProof="0" dirty="0">
+                <a:ln>
+                  <a:noFill/>
+                </a:ln>
+                <a:solidFill>
+                  <a:prstClr val="white"/>
+                </a:solidFill>
+                <a:effectLst/>
+                <a:uLnTx/>
+                <a:uFillTx/>
+                <a:latin typeface="Calibri" panose="020F0502020204030204"/>
+                <a:ea typeface="+mn-ea"/>
+                <a:cs typeface="+mn-cs"/>
+              </a:rPr>
+              <a:t>- -&gt;</a:t>
+            </a:r>
+          </a:p>
+          <a:p>
+            <a:pPr marL="0" marR="0" lvl="0" indent="0" algn="l" defTabSz="914400" rtl="0" eaLnBrk="1" fontAlgn="auto" latinLnBrk="0" hangingPunct="1">
+              <a:lnSpc>
+                <a:spcPct val="100000"/>
+              </a:lnSpc>
+              <a:spcBef>
+                <a:spcPts val="0"/>
+              </a:spcBef>
+              <a:spcAft>
+                <a:spcPts val="0"/>
+              </a:spcAft>
+              <a:buClrTx/>
+              <a:buSzTx/>
+              <a:buFontTx/>
+              <a:buNone/>
+              <a:tabLst/>
+              <a:defRPr/>
+            </a:pPr>
+            <a:r>
+              <a:rPr kumimoji="0" lang="es-CR" sz="1800" b="0" i="0" u="none" strike="noStrike" kern="1200" cap="none" spc="0" normalizeH="0" baseline="0" noProof="0" dirty="0">
+                <a:ln>
+                  <a:noFill/>
+                </a:ln>
+                <a:solidFill>
+                  <a:prstClr val="white"/>
+                </a:solidFill>
+                <a:effectLst/>
+                <a:uLnTx/>
+                <a:uFillTx/>
+                <a:latin typeface="Calibri" panose="020F0502020204030204"/>
+                <a:ea typeface="+mn-ea"/>
+                <a:cs typeface="+mn-cs"/>
+              </a:rPr>
+              <a:t>- -&gt;</a:t>
+            </a:r>
+          </a:p>
+          <a:p>
+            <a:pPr marL="0" marR="0" lvl="0" indent="0" algn="l" defTabSz="914400" rtl="0" eaLnBrk="1" fontAlgn="auto" latinLnBrk="0" hangingPunct="1">
+              <a:lnSpc>
+                <a:spcPct val="100000"/>
+              </a:lnSpc>
+              <a:spcBef>
+                <a:spcPts val="0"/>
+              </a:spcBef>
+              <a:spcAft>
+                <a:spcPts val="0"/>
+              </a:spcAft>
+              <a:buClrTx/>
+              <a:buSzTx/>
+              <a:buFontTx/>
+              <a:buNone/>
+              <a:tabLst/>
+              <a:defRPr/>
+            </a:pPr>
+            <a:r>
+              <a:rPr kumimoji="0" lang="es-CR" sz="1800" b="0" i="0" u="none" strike="noStrike" kern="1200" cap="none" spc="0" normalizeH="0" baseline="0" noProof="0" dirty="0">
+                <a:ln>
+                  <a:noFill/>
+                </a:ln>
+                <a:solidFill>
+                  <a:prstClr val="white"/>
+                </a:solidFill>
+                <a:effectLst/>
+                <a:uLnTx/>
+                <a:uFillTx/>
+                <a:latin typeface="Calibri" panose="020F0502020204030204"/>
+                <a:ea typeface="+mn-ea"/>
+                <a:cs typeface="+mn-cs"/>
+              </a:rPr>
+              <a:t>- -&gt;</a:t>
+            </a:r>
+          </a:p>
+          <a:p>
+            <a:pPr marL="0" marR="0" lvl="0" indent="0" algn="l" defTabSz="914400" rtl="0" eaLnBrk="1" fontAlgn="auto" latinLnBrk="0" hangingPunct="1">
+              <a:lnSpc>
+                <a:spcPct val="100000"/>
+              </a:lnSpc>
+              <a:spcBef>
+                <a:spcPts val="0"/>
+              </a:spcBef>
+              <a:spcAft>
+                <a:spcPts val="0"/>
+              </a:spcAft>
+              <a:buClrTx/>
+              <a:buSzTx/>
+              <a:buFontTx/>
+              <a:buNone/>
+              <a:tabLst/>
+              <a:defRPr/>
+            </a:pPr>
+            <a:r>
+              <a:rPr kumimoji="0" lang="es-CR" sz="1800" b="0" i="0" u="none" strike="noStrike" kern="1200" cap="none" spc="0" normalizeH="0" baseline="0" noProof="0" dirty="0">
+                <a:ln>
+                  <a:noFill/>
+                </a:ln>
+                <a:solidFill>
+                  <a:prstClr val="white"/>
+                </a:solidFill>
+                <a:effectLst/>
+                <a:uLnTx/>
+                <a:uFillTx/>
+                <a:latin typeface="Calibri" panose="020F0502020204030204"/>
+                <a:ea typeface="+mn-ea"/>
+                <a:cs typeface="+mn-cs"/>
+              </a:rPr>
+              <a:t>- -&gt;</a:t>
+            </a:r>
+          </a:p>
+          <a:p>
+            <a:pPr marL="0" marR="0" lvl="0" indent="0" algn="l" defTabSz="914400" rtl="0" eaLnBrk="1" fontAlgn="auto" latinLnBrk="0" hangingPunct="1">
+              <a:lnSpc>
+                <a:spcPct val="100000"/>
+              </a:lnSpc>
+              <a:spcBef>
+                <a:spcPts val="0"/>
+              </a:spcBef>
+              <a:spcAft>
+                <a:spcPts val="0"/>
+              </a:spcAft>
+              <a:buClrTx/>
+              <a:buSzTx/>
+              <a:buFontTx/>
+              <a:buNone/>
+              <a:tabLst/>
+              <a:defRPr/>
+            </a:pPr>
+            <a:r>
+              <a:rPr kumimoji="0" lang="es-CR" sz="1800" b="0" i="0" u="none" strike="noStrike" kern="1200" cap="none" spc="0" normalizeH="0" baseline="0" noProof="0" dirty="0">
+                <a:ln>
+                  <a:noFill/>
+                </a:ln>
+                <a:solidFill>
+                  <a:prstClr val="white"/>
+                </a:solidFill>
+                <a:effectLst/>
+                <a:uLnTx/>
+                <a:uFillTx/>
+                <a:latin typeface="Calibri" panose="020F0502020204030204"/>
+                <a:ea typeface="+mn-ea"/>
+                <a:cs typeface="+mn-cs"/>
+              </a:rPr>
+              <a:t>- -&gt;</a:t>
+            </a:r>
+          </a:p>
+          <a:p>
+            <a:pPr marL="0" marR="0" lvl="0" indent="0" algn="l" defTabSz="914400" rtl="0" eaLnBrk="1" fontAlgn="auto" latinLnBrk="0" hangingPunct="1">
+              <a:lnSpc>
+                <a:spcPct val="100000"/>
+              </a:lnSpc>
+              <a:spcBef>
+                <a:spcPts val="0"/>
+              </a:spcBef>
+              <a:spcAft>
+                <a:spcPts val="0"/>
+              </a:spcAft>
+              <a:buClrTx/>
+              <a:buSzTx/>
+              <a:buFontTx/>
+              <a:buNone/>
+              <a:tabLst/>
+              <a:defRPr/>
+            </a:pPr>
+            <a:r>
+              <a:rPr kumimoji="0" lang="es-CR" sz="1800" b="0" i="0" u="none" strike="noStrike" kern="1200" cap="none" spc="0" normalizeH="0" baseline="0" noProof="0" dirty="0">
+                <a:ln>
+                  <a:noFill/>
+                </a:ln>
+                <a:solidFill>
+                  <a:prstClr val="white"/>
+                </a:solidFill>
+                <a:effectLst/>
+                <a:uLnTx/>
+                <a:uFillTx/>
+                <a:latin typeface="Calibri" panose="020F0502020204030204"/>
+                <a:ea typeface="+mn-ea"/>
+                <a:cs typeface="+mn-cs"/>
+              </a:rPr>
+              <a:t>- -&gt;</a:t>
+            </a:r>
+          </a:p>
+          <a:p>
+            <a:pPr marL="0" marR="0" lvl="0" indent="0" algn="l" defTabSz="914400" rtl="0" eaLnBrk="1" fontAlgn="auto" latinLnBrk="0" hangingPunct="1">
+              <a:lnSpc>
+                <a:spcPct val="100000"/>
+              </a:lnSpc>
+              <a:spcBef>
+                <a:spcPts val="0"/>
+              </a:spcBef>
+              <a:spcAft>
+                <a:spcPts val="0"/>
+              </a:spcAft>
+              <a:buClrTx/>
+              <a:buSzTx/>
+              <a:buFontTx/>
+              <a:buNone/>
+              <a:tabLst/>
+              <a:defRPr/>
+            </a:pPr>
+            <a:r>
+              <a:rPr kumimoji="0" lang="es-CR" sz="1800" b="0" i="0" u="none" strike="noStrike" kern="1200" cap="none" spc="0" normalizeH="0" baseline="0" noProof="0" dirty="0">
+                <a:ln>
+                  <a:noFill/>
+                </a:ln>
+                <a:solidFill>
+                  <a:prstClr val="white"/>
+                </a:solidFill>
+                <a:effectLst/>
+                <a:uLnTx/>
+                <a:uFillTx/>
+                <a:latin typeface="Calibri" panose="020F0502020204030204"/>
+                <a:ea typeface="+mn-ea"/>
+                <a:cs typeface="+mn-cs"/>
+              </a:rPr>
+              <a:t>- -&gt;</a:t>
+            </a:r>
+          </a:p>
+          <a:p>
+            <a:pPr marL="0" marR="0" lvl="0" indent="0" algn="l" defTabSz="914400" rtl="0" eaLnBrk="1" fontAlgn="auto" latinLnBrk="0" hangingPunct="1">
+              <a:lnSpc>
+                <a:spcPct val="100000"/>
+              </a:lnSpc>
+              <a:spcBef>
+                <a:spcPts val="0"/>
+              </a:spcBef>
+              <a:spcAft>
+                <a:spcPts val="0"/>
+              </a:spcAft>
+              <a:buClrTx/>
+              <a:buSzTx/>
+              <a:buFontTx/>
+              <a:buNone/>
+              <a:tabLst/>
+              <a:defRPr/>
+            </a:pPr>
+            <a:endParaRPr kumimoji="0" lang="es-CR" sz="1800" b="0" i="0" u="none" strike="noStrike" kern="1200" cap="none" spc="0" normalizeH="0" baseline="0" noProof="0" dirty="0">
+              <a:ln>
+                <a:noFill/>
+              </a:ln>
+              <a:solidFill>
+                <a:prstClr val="white"/>
+              </a:solidFill>
+              <a:effectLst/>
+              <a:uLnTx/>
+              <a:uFillTx/>
+              <a:latin typeface="Calibri" panose="020F0502020204030204"/>
+              <a:ea typeface="+mn-ea"/>
+              <a:cs typeface="+mn-cs"/>
+            </a:endParaRPr>
+          </a:p>
+        </p:txBody>
+      </p:sp>
+      <p:pic>
+        <p:nvPicPr>
+          <p:cNvPr id="5" name="Imagen 4">
+            <a:extLst>
+              <a:ext uri="{FF2B5EF4-FFF2-40B4-BE49-F238E27FC236}">
+                <a16:creationId xmlns:a16="http://schemas.microsoft.com/office/drawing/2014/main" id="{1B193197-B1F7-B8EB-DAFC-7F86F746D075}"/>
+              </a:ext>
+            </a:extLst>
+          </p:cNvPr>
+          <p:cNvPicPr>
+            <a:picLocks noChangeAspect="1"/>
+          </p:cNvPicPr>
+          <p:nvPr/>
+        </p:nvPicPr>
+        <p:blipFill>
+          <a:blip r:embed="rId2">
+            <a:extLst>
+              <a:ext uri="{28A0092B-C50C-407E-A947-70E740481C1C}">
+                <a14:useLocalDpi xmlns:a14="http://schemas.microsoft.com/office/drawing/2010/main" val="0"/>
+              </a:ext>
+            </a:extLst>
+          </a:blip>
+          <a:stretch>
+            <a:fillRect/>
+          </a:stretch>
+        </p:blipFill>
+        <p:spPr>
+          <a:xfrm>
+            <a:off x="0" y="5265174"/>
+            <a:ext cx="1592826" cy="1592826"/>
+          </a:xfrm>
+          <a:prstGeom prst="rect">
+            <a:avLst/>
+          </a:prstGeom>
+        </p:spPr>
+      </p:pic>
+    </p:spTree>
+    <p:extLst>
+      <p:ext uri="{BB962C8B-B14F-4D97-AF65-F5344CB8AC3E}">
+        <p14:creationId xmlns:p14="http://schemas.microsoft.com/office/powerpoint/2010/main" val="742808541"/>
+      </p:ext>
+    </p:extLst>
+  </p:cSld>
+  <p:clrMapOvr>
+    <a:masterClrMapping/>
+  </p:clrMapOvr>
+</p:sld>
+</file>
+
+<file path=ppt/slides/slide41.xml><?xml version="1.0" encoding="utf-8"?>
+<p:sld xmlns:a="http://schemas.openxmlformats.org/drawingml/2006/main" xmlns:r="http://schemas.openxmlformats.org/officeDocument/2006/relationships" xmlns:p="http://schemas.openxmlformats.org/presentationml/2006/main">
+  <p:cSld>
+    <p:bg>
+      <p:bgPr>
+        <a:solidFill>
+          <a:srgbClr val="10162F"/>
+        </a:solidFill>
+        <a:effectLst/>
+      </p:bgPr>
+    </p:bg>
+    <p:spTree>
+      <p:nvGrpSpPr>
+        <p:cNvPr id="1" name="">
+          <a:extLst>
+            <a:ext uri="{FF2B5EF4-FFF2-40B4-BE49-F238E27FC236}">
+              <a16:creationId xmlns:a16="http://schemas.microsoft.com/office/drawing/2014/main" id="{82E0503D-0765-195D-ADBF-152D2B9658C9}"/>
+            </a:ext>
+          </a:extLst>
+        </p:cNvPr>
+        <p:cNvGrpSpPr/>
+        <p:nvPr/>
+      </p:nvGrpSpPr>
+      <p:grpSpPr>
+        <a:xfrm>
+          <a:off x="0" y="0"/>
+          <a:ext cx="0" cy="0"/>
+          <a:chOff x="0" y="0"/>
+          <a:chExt cx="0" cy="0"/>
+        </a:xfrm>
+      </p:grpSpPr>
+      <p:pic>
+        <p:nvPicPr>
+          <p:cNvPr id="3" name="Imagen 2">
+            <a:extLst>
+              <a:ext uri="{FF2B5EF4-FFF2-40B4-BE49-F238E27FC236}">
+                <a16:creationId xmlns:a16="http://schemas.microsoft.com/office/drawing/2014/main" id="{F54702DF-D00C-A2DE-A44D-31450653F7DE}"/>
+              </a:ext>
+            </a:extLst>
+          </p:cNvPr>
+          <p:cNvPicPr>
+            <a:picLocks noChangeAspect="1"/>
+          </p:cNvPicPr>
+          <p:nvPr/>
+        </p:nvPicPr>
+        <p:blipFill>
+          <a:blip r:embed="rId2">
+            <a:extLst>
+              <a:ext uri="{28A0092B-C50C-407E-A947-70E740481C1C}">
+                <a14:useLocalDpi xmlns:a14="http://schemas.microsoft.com/office/drawing/2010/main" val="0"/>
+              </a:ext>
+            </a:extLst>
+          </a:blip>
+          <a:stretch>
+            <a:fillRect/>
+          </a:stretch>
+        </p:blipFill>
+        <p:spPr>
+          <a:xfrm>
+            <a:off x="0" y="228600"/>
+            <a:ext cx="12192000" cy="6400800"/>
+          </a:xfrm>
+          <a:prstGeom prst="rect">
+            <a:avLst/>
+          </a:prstGeom>
+        </p:spPr>
+      </p:pic>
+    </p:spTree>
+    <p:extLst>
+      <p:ext uri="{BB962C8B-B14F-4D97-AF65-F5344CB8AC3E}">
+        <p14:creationId xmlns:p14="http://schemas.microsoft.com/office/powerpoint/2010/main" val="795306164"/>
       </p:ext>
     </p:extLst>
   </p:cSld>
